--- a/Presentation/Bakhshizadeh-drought prediction.pptx
+++ b/Presentation/Bakhshizadeh-drought prediction.pptx
@@ -24,9 +24,10 @@
     <p:sldId id="260" r:id="rId18"/>
     <p:sldId id="264" r:id="rId19"/>
     <p:sldId id="262" r:id="rId20"/>
-    <p:sldId id="263" r:id="rId21"/>
-    <p:sldId id="266" r:id="rId22"/>
-    <p:sldId id="265" r:id="rId23"/>
+    <p:sldId id="287" r:id="rId21"/>
+    <p:sldId id="263" r:id="rId22"/>
+    <p:sldId id="266" r:id="rId23"/>
+    <p:sldId id="265" r:id="rId24"/>
   </p:sldIdLst>
   <p:sldSz cx="9144000" cy="6858000" type="screen4x3"/>
   <p:notesSz cx="6858000" cy="9144000"/>
@@ -5397,7 +5398,7 @@
           <p:cNvPr id="2" name="Title 1">
             <a:extLst>
               <a:ext uri="{FF2B5EF4-FFF2-40B4-BE49-F238E27FC236}">
-                <a16:creationId xmlns:a16="http://schemas.microsoft.com/office/drawing/2014/main" id="{E801041F-03CE-7EAA-F33D-287858D95ACC}"/>
+                <a16:creationId xmlns:a16="http://schemas.microsoft.com/office/drawing/2014/main" id="{DE94763A-71E0-E8E9-22ED-30CC1E16D870}"/>
               </a:ext>
             </a:extLst>
           </p:cNvPr>
@@ -5425,58 +5426,39 @@
           </a:p>
         </p:txBody>
       </p:sp>
-      <p:sp>
-        <p:nvSpPr>
-          <p:cNvPr id="3" name="Content Placeholder 2">
-            <a:extLst>
-              <a:ext uri="{FF2B5EF4-FFF2-40B4-BE49-F238E27FC236}">
-                <a16:creationId xmlns:a16="http://schemas.microsoft.com/office/drawing/2014/main" id="{B92EE082-4C3E-B462-D27D-806654EA4CE7}"/>
-              </a:ext>
-            </a:extLst>
-          </p:cNvPr>
-          <p:cNvSpPr>
-            <a:spLocks noGrp="1"/>
-          </p:cNvSpPr>
+      <p:pic>
+        <p:nvPicPr>
+          <p:cNvPr id="6" name="Content Placeholder 5">
+            <a:extLst>
+              <a:ext uri="{FF2B5EF4-FFF2-40B4-BE49-F238E27FC236}">
+                <a16:creationId xmlns:a16="http://schemas.microsoft.com/office/drawing/2014/main" id="{FD82D964-603B-47E7-B488-994CFE5AF20E}"/>
+              </a:ext>
+            </a:extLst>
+          </p:cNvPr>
+          <p:cNvPicPr>
+            <a:picLocks noGrp="1" noChangeAspect="1"/>
+          </p:cNvPicPr>
           <p:nvPr>
             <p:ph idx="1"/>
           </p:nvPr>
-        </p:nvSpPr>
-        <p:spPr/>
-        <p:txBody>
-          <a:bodyPr>
-            <a:normAutofit/>
-          </a:bodyPr>
-          <a:lstStyle/>
-          <a:p>
-            <a:pPr marL="0" indent="0" defTabSz="685800">
-              <a:lnSpc>
-                <a:spcPct val="150000"/>
-              </a:lnSpc>
-              <a:spcBef>
-                <a:spcPts val="750"/>
-              </a:spcBef>
-              <a:buNone/>
-            </a:pPr>
-            <a:r>
-              <a:rPr lang="en-US" sz="1500" dirty="0"/>
-              <a:t>Among the tested approaches, Bi-LSTM, </a:t>
-            </a:r>
-            <a:r>
-              <a:rPr lang="en-US" sz="1500" dirty="0" err="1"/>
-              <a:t>WBi</a:t>
-            </a:r>
-            <a:r>
-              <a:rPr lang="en-US" sz="1500" dirty="0"/>
-              <a:t>-LSTM, and WBRF demonstrate strong predictive capability with close alignment to the actual SPI trends. In contrast, models like SVR and EDT show noticeable deviations, especially during rapid fluctuations. This comparison underscores the superior performance of advanced deep learning and ensemble models in capturing complex temporal dependencies in climatic data.</a:t>
-            </a:r>
-            <a:endParaRPr lang="en-US" sz="2400" dirty="0"/>
-          </a:p>
-        </p:txBody>
-      </p:sp>
+        </p:nvPicPr>
+        <p:blipFill>
+          <a:blip r:embed="rId2"/>
+          <a:stretch>
+            <a:fillRect/>
+          </a:stretch>
+        </p:blipFill>
+        <p:spPr>
+          <a:xfrm>
+            <a:off x="457200" y="1805781"/>
+            <a:ext cx="8229600" cy="4114800"/>
+          </a:xfrm>
+        </p:spPr>
+      </p:pic>
     </p:spTree>
     <p:extLst>
       <p:ext uri="{BB962C8B-B14F-4D97-AF65-F5344CB8AC3E}">
-        <p14:creationId xmlns:p14="http://schemas.microsoft.com/office/powerpoint/2010/main" val="1546514292"/>
+        <p14:creationId xmlns:p14="http://schemas.microsoft.com/office/powerpoint/2010/main" val="2065443159"/>
       </p:ext>
     </p:extLst>
   </p:cSld>
@@ -5508,6 +5490,117 @@
           <p:cNvPr id="2" name="Title 1">
             <a:extLst>
               <a:ext uri="{FF2B5EF4-FFF2-40B4-BE49-F238E27FC236}">
+                <a16:creationId xmlns:a16="http://schemas.microsoft.com/office/drawing/2014/main" id="{E801041F-03CE-7EAA-F33D-287858D95ACC}"/>
+              </a:ext>
+            </a:extLst>
+          </p:cNvPr>
+          <p:cNvSpPr>
+            <a:spLocks noGrp="1"/>
+          </p:cNvSpPr>
+          <p:nvPr>
+            <p:ph type="title"/>
+          </p:nvPr>
+        </p:nvSpPr>
+        <p:spPr/>
+        <p:txBody>
+          <a:bodyPr/>
+          <a:lstStyle/>
+          <a:p>
+            <a:pPr algn="l"/>
+            <a:r>
+              <a:rPr lang="en-US" sz="2400" b="1" dirty="0">
+                <a:solidFill>
+                  <a:srgbClr val="000000"/>
+                </a:solidFill>
+              </a:rPr>
+              <a:t>Model Comparison for SPI Prediction</a:t>
+            </a:r>
+          </a:p>
+        </p:txBody>
+      </p:sp>
+      <p:sp>
+        <p:nvSpPr>
+          <p:cNvPr id="3" name="Content Placeholder 2">
+            <a:extLst>
+              <a:ext uri="{FF2B5EF4-FFF2-40B4-BE49-F238E27FC236}">
+                <a16:creationId xmlns:a16="http://schemas.microsoft.com/office/drawing/2014/main" id="{B92EE082-4C3E-B462-D27D-806654EA4CE7}"/>
+              </a:ext>
+            </a:extLst>
+          </p:cNvPr>
+          <p:cNvSpPr>
+            <a:spLocks noGrp="1"/>
+          </p:cNvSpPr>
+          <p:nvPr>
+            <p:ph idx="1"/>
+          </p:nvPr>
+        </p:nvSpPr>
+        <p:spPr/>
+        <p:txBody>
+          <a:bodyPr>
+            <a:normAutofit/>
+          </a:bodyPr>
+          <a:lstStyle/>
+          <a:p>
+            <a:pPr marL="0" indent="0" defTabSz="685800">
+              <a:lnSpc>
+                <a:spcPct val="150000"/>
+              </a:lnSpc>
+              <a:spcBef>
+                <a:spcPts val="750"/>
+              </a:spcBef>
+              <a:buNone/>
+            </a:pPr>
+            <a:r>
+              <a:rPr lang="en-US" sz="1500" dirty="0"/>
+              <a:t>Among the tested approaches, Bi-LSTM, </a:t>
+            </a:r>
+            <a:r>
+              <a:rPr lang="en-US" sz="1500" dirty="0" err="1"/>
+              <a:t>WBi</a:t>
+            </a:r>
+            <a:r>
+              <a:rPr lang="en-US" sz="1500" dirty="0"/>
+              <a:t>-LSTM, and WBRF demonstrate strong predictive capability with close alignment to the actual SPI trends. In contrast, models like SVR and EDT show noticeable deviations, especially during rapid fluctuations. This comparison underscores the superior performance of advanced deep learning and ensemble models in capturing complex temporal dependencies in climatic data.</a:t>
+            </a:r>
+            <a:endParaRPr lang="en-US" sz="2400" dirty="0"/>
+          </a:p>
+        </p:txBody>
+      </p:sp>
+    </p:spTree>
+    <p:extLst>
+      <p:ext uri="{BB962C8B-B14F-4D97-AF65-F5344CB8AC3E}">
+        <p14:creationId xmlns:p14="http://schemas.microsoft.com/office/powerpoint/2010/main" val="1546514292"/>
+      </p:ext>
+    </p:extLst>
+  </p:cSld>
+  <p:clrMapOvr>
+    <a:masterClrMapping/>
+  </p:clrMapOvr>
+</p:sld>
+</file>
+
+<file path=ppt/slides/slide22.xml><?xml version="1.0" encoding="utf-8"?>
+<p:sld xmlns:a="http://schemas.openxmlformats.org/drawingml/2006/main" xmlns:r="http://schemas.openxmlformats.org/officeDocument/2006/relationships" xmlns:p="http://schemas.openxmlformats.org/presentationml/2006/main">
+  <p:cSld>
+    <p:spTree>
+      <p:nvGrpSpPr>
+        <p:cNvPr id="1" name=""/>
+        <p:cNvGrpSpPr/>
+        <p:nvPr/>
+      </p:nvGrpSpPr>
+      <p:grpSpPr>
+        <a:xfrm>
+          <a:off x="0" y="0"/>
+          <a:ext cx="0" cy="0"/>
+          <a:chOff x="0" y="0"/>
+          <a:chExt cx="0" cy="0"/>
+        </a:xfrm>
+      </p:grpSpPr>
+      <p:sp>
+        <p:nvSpPr>
+          <p:cNvPr id="2" name="Title 1">
+            <a:extLst>
+              <a:ext uri="{FF2B5EF4-FFF2-40B4-BE49-F238E27FC236}">
                 <a16:creationId xmlns:a16="http://schemas.microsoft.com/office/drawing/2014/main" id="{597DF527-0DC2-6179-5730-717167B12BE4}"/>
               </a:ext>
             </a:extLst>
@@ -5633,7 +5726,7 @@
 </p:sld>
 </file>
 
-<file path=ppt/slides/slide22.xml><?xml version="1.0" encoding="utf-8"?>
+<file path=ppt/slides/slide23.xml><?xml version="1.0" encoding="utf-8"?>
 <p:sld xmlns:a="http://schemas.openxmlformats.org/drawingml/2006/main" xmlns:r="http://schemas.openxmlformats.org/officeDocument/2006/relationships" xmlns:p="http://schemas.openxmlformats.org/presentationml/2006/main">
   <p:cSld>
     <p:spTree>
